--- a/semester 8/INTERAKSI MANUSIA DENGAN KOMPUTER/kelompok 3/Kelompok 3 - Ragam Dialog dalam IMK.pptx
+++ b/semester 8/INTERAKSI MANUSIA DENGAN KOMPUTER/kelompok 3/Kelompok 3 - Ragam Dialog dalam IMK.pptx
@@ -235,7 +235,7 @@
           <a:p>
             <a:fld id="{B4F276B5-1B84-4C61-B57E-61DF916C8D74}" type="datetimeFigureOut">
               <a:rPr lang="id-ID" smtClean="0"/>
-              <a:t>03/03/2024</a:t>
+              <a:t>05/03/2024</a:t>
             </a:fld>
             <a:endParaRPr lang="id-ID"/>
           </a:p>
@@ -767,7 +767,7 @@
             <a:fld id="{1D8BD707-D9CF-40AE-B4C6-C98DA3205C09}" type="datetimeFigureOut">
               <a:rPr lang="en-US" smtClean="0"/>
               <a:pPr/>
-              <a:t>3/3/2024</a:t>
+              <a:t>3/5/2024</a:t>
             </a:fld>
             <a:endParaRPr lang="en-US"/>
           </a:p>
@@ -932,7 +932,7 @@
             <a:fld id="{1D8BD707-D9CF-40AE-B4C6-C98DA3205C09}" type="datetimeFigureOut">
               <a:rPr lang="en-US" smtClean="0"/>
               <a:pPr/>
-              <a:t>3/3/2024</a:t>
+              <a:t>3/5/2024</a:t>
             </a:fld>
             <a:endParaRPr lang="en-US"/>
           </a:p>
@@ -1107,7 +1107,7 @@
             <a:fld id="{1D8BD707-D9CF-40AE-B4C6-C98DA3205C09}" type="datetimeFigureOut">
               <a:rPr lang="en-US" smtClean="0"/>
               <a:pPr/>
-              <a:t>3/3/2024</a:t>
+              <a:t>3/5/2024</a:t>
             </a:fld>
             <a:endParaRPr lang="en-US"/>
           </a:p>
@@ -1272,7 +1272,7 @@
             <a:fld id="{1D8BD707-D9CF-40AE-B4C6-C98DA3205C09}" type="datetimeFigureOut">
               <a:rPr lang="en-US" smtClean="0"/>
               <a:pPr/>
-              <a:t>3/3/2024</a:t>
+              <a:t>3/5/2024</a:t>
             </a:fld>
             <a:endParaRPr lang="en-US"/>
           </a:p>
@@ -1514,7 +1514,7 @@
             <a:fld id="{1D8BD707-D9CF-40AE-B4C6-C98DA3205C09}" type="datetimeFigureOut">
               <a:rPr lang="en-US" smtClean="0"/>
               <a:pPr/>
-              <a:t>3/3/2024</a:t>
+              <a:t>3/5/2024</a:t>
             </a:fld>
             <a:endParaRPr lang="en-US"/>
           </a:p>
@@ -1796,7 +1796,7 @@
             <a:fld id="{1D8BD707-D9CF-40AE-B4C6-C98DA3205C09}" type="datetimeFigureOut">
               <a:rPr lang="en-US" smtClean="0"/>
               <a:pPr/>
-              <a:t>3/3/2024</a:t>
+              <a:t>3/5/2024</a:t>
             </a:fld>
             <a:endParaRPr lang="en-US"/>
           </a:p>
@@ -2212,7 +2212,7 @@
             <a:fld id="{1D8BD707-D9CF-40AE-B4C6-C98DA3205C09}" type="datetimeFigureOut">
               <a:rPr lang="en-US" smtClean="0"/>
               <a:pPr/>
-              <a:t>3/3/2024</a:t>
+              <a:t>3/5/2024</a:t>
             </a:fld>
             <a:endParaRPr lang="en-US"/>
           </a:p>
@@ -2326,7 +2326,7 @@
             <a:fld id="{1D8BD707-D9CF-40AE-B4C6-C98DA3205C09}" type="datetimeFigureOut">
               <a:rPr lang="en-US" smtClean="0"/>
               <a:pPr/>
-              <a:t>3/3/2024</a:t>
+              <a:t>3/5/2024</a:t>
             </a:fld>
             <a:endParaRPr lang="en-US"/>
           </a:p>
@@ -2418,7 +2418,7 @@
             <a:fld id="{1D8BD707-D9CF-40AE-B4C6-C98DA3205C09}" type="datetimeFigureOut">
               <a:rPr lang="en-US" smtClean="0"/>
               <a:pPr/>
-              <a:t>3/3/2024</a:t>
+              <a:t>3/5/2024</a:t>
             </a:fld>
             <a:endParaRPr lang="en-US"/>
           </a:p>
@@ -2690,7 +2690,7 @@
             <a:fld id="{1D8BD707-D9CF-40AE-B4C6-C98DA3205C09}" type="datetimeFigureOut">
               <a:rPr lang="en-US" smtClean="0"/>
               <a:pPr/>
-              <a:t>3/3/2024</a:t>
+              <a:t>3/5/2024</a:t>
             </a:fld>
             <a:endParaRPr lang="en-US"/>
           </a:p>
@@ -2939,7 +2939,7 @@
             <a:fld id="{1D8BD707-D9CF-40AE-B4C6-C98DA3205C09}" type="datetimeFigureOut">
               <a:rPr lang="en-US" smtClean="0"/>
               <a:pPr/>
-              <a:t>3/3/2024</a:t>
+              <a:t>3/5/2024</a:t>
             </a:fld>
             <a:endParaRPr lang="en-US"/>
           </a:p>
@@ -3147,7 +3147,7 @@
             <a:fld id="{1D8BD707-D9CF-40AE-B4C6-C98DA3205C09}" type="datetimeFigureOut">
               <a:rPr lang="en-US" smtClean="0"/>
               <a:pPr/>
-              <a:t>3/3/2024</a:t>
+              <a:t>3/5/2024</a:t>
             </a:fld>
             <a:endParaRPr lang="en-US"/>
           </a:p>
@@ -8578,7 +8578,7 @@
         <p:spPr>
           <a:xfrm>
             <a:off x="1028700" y="3823430"/>
-            <a:ext cx="16230600" cy="1579245"/>
+            <a:ext cx="16230600" cy="1468800"/>
           </a:xfrm>
           <a:prstGeom prst="rect">
             <a:avLst/>
@@ -8596,13 +8596,184 @@
               </a:lnSpc>
             </a:pPr>
             <a:r>
-              <a:rPr lang="en-US" sz="4200">
+              <a:rPr lang="en-US" sz="4200" dirty="0" err="1">
                 <a:solidFill>
                   <a:srgbClr val="FFFFFF"/>
                 </a:solidFill>
                 <a:latin typeface="Agrandir Bold"/>
               </a:rPr>
-              <a:t>Ragam dialog adalah cara pengorganisasian teknik dialog interaktif, komunikasi antara manusia dengan komputer. </a:t>
+              <a:t>Ragam</a:t>
+            </a:r>
+            <a:r>
+              <a:rPr lang="en-US" sz="4200" dirty="0">
+                <a:solidFill>
+                  <a:srgbClr val="FFFFFF"/>
+                </a:solidFill>
+                <a:latin typeface="Agrandir Bold"/>
+              </a:rPr>
+              <a:t> dialog </a:t>
+            </a:r>
+            <a:r>
+              <a:rPr lang="en-US" sz="4200" dirty="0" err="1">
+                <a:solidFill>
+                  <a:srgbClr val="FFFFFF"/>
+                </a:solidFill>
+                <a:latin typeface="Agrandir Bold"/>
+              </a:rPr>
+              <a:t>adalah</a:t>
+            </a:r>
+            <a:r>
+              <a:rPr lang="en-US" sz="4200" dirty="0">
+                <a:solidFill>
+                  <a:srgbClr val="FFFFFF"/>
+                </a:solidFill>
+                <a:latin typeface="Agrandir Bold"/>
+              </a:rPr>
+              <a:t> </a:t>
+            </a:r>
+            <a:r>
+              <a:rPr lang="en-US" sz="4200" dirty="0" err="1">
+                <a:solidFill>
+                  <a:srgbClr val="FFFFFF"/>
+                </a:solidFill>
+                <a:latin typeface="Agrandir Bold"/>
+              </a:rPr>
+              <a:t>cara</a:t>
+            </a:r>
+            <a:r>
+              <a:rPr lang="en-US" sz="4200" dirty="0">
+                <a:solidFill>
+                  <a:srgbClr val="FFFFFF"/>
+                </a:solidFill>
+                <a:latin typeface="Agrandir Bold"/>
+              </a:rPr>
+              <a:t> </a:t>
+            </a:r>
+            <a:r>
+              <a:rPr lang="en-US" sz="4200" dirty="0" err="1">
+                <a:solidFill>
+                  <a:srgbClr val="FFFFFF"/>
+                </a:solidFill>
+                <a:latin typeface="Agrandir Bold"/>
+              </a:rPr>
+              <a:t>pengorganisasian</a:t>
+            </a:r>
+            <a:r>
+              <a:rPr lang="en-US" sz="4200" dirty="0">
+                <a:solidFill>
+                  <a:srgbClr val="FFFFFF"/>
+                </a:solidFill>
+                <a:latin typeface="Agrandir Bold"/>
+              </a:rPr>
+              <a:t> </a:t>
+            </a:r>
+            <a:r>
+              <a:rPr lang="en-US" sz="4200" dirty="0" err="1">
+                <a:solidFill>
+                  <a:srgbClr val="FFFFFF"/>
+                </a:solidFill>
+                <a:latin typeface="Agrandir Bold"/>
+              </a:rPr>
+              <a:t>teknik</a:t>
+            </a:r>
+            <a:r>
+              <a:rPr lang="en-US" sz="4200" dirty="0">
+                <a:solidFill>
+                  <a:srgbClr val="FFFFFF"/>
+                </a:solidFill>
+                <a:latin typeface="Agrandir Bold"/>
+              </a:rPr>
+              <a:t> dialog </a:t>
+            </a:r>
+            <a:r>
+              <a:rPr lang="en-US" sz="4200" dirty="0" err="1">
+                <a:solidFill>
+                  <a:srgbClr val="FFFFFF"/>
+                </a:solidFill>
+                <a:latin typeface="Agrandir Bold"/>
+              </a:rPr>
+              <a:t>interaktif</a:t>
+            </a:r>
+            <a:r>
+              <a:rPr lang="en-US" sz="4200" dirty="0">
+                <a:solidFill>
+                  <a:srgbClr val="FFFFFF"/>
+                </a:solidFill>
+                <a:latin typeface="Agrandir Bold"/>
+              </a:rPr>
+              <a:t>, </a:t>
+            </a:r>
+            <a:r>
+              <a:rPr lang="en-US" sz="4200" dirty="0" err="1">
+                <a:solidFill>
+                  <a:srgbClr val="FFFFFF"/>
+                </a:solidFill>
+                <a:latin typeface="Agrandir Bold"/>
+              </a:rPr>
+              <a:t>komunikasi</a:t>
+            </a:r>
+            <a:r>
+              <a:rPr lang="en-US" sz="4200" dirty="0">
+                <a:solidFill>
+                  <a:srgbClr val="FFFFFF"/>
+                </a:solidFill>
+                <a:latin typeface="Agrandir Bold"/>
+              </a:rPr>
+              <a:t> </a:t>
+            </a:r>
+            <a:r>
+              <a:rPr lang="en-US" sz="4200" dirty="0" err="1">
+                <a:solidFill>
+                  <a:srgbClr val="FFFFFF"/>
+                </a:solidFill>
+                <a:latin typeface="Agrandir Bold"/>
+              </a:rPr>
+              <a:t>antara</a:t>
+            </a:r>
+            <a:r>
+              <a:rPr lang="en-US" sz="4200" dirty="0">
+                <a:solidFill>
+                  <a:srgbClr val="FFFFFF"/>
+                </a:solidFill>
+                <a:latin typeface="Agrandir Bold"/>
+              </a:rPr>
+              <a:t> </a:t>
+            </a:r>
+            <a:r>
+              <a:rPr lang="en-US" sz="4200" dirty="0" err="1">
+                <a:solidFill>
+                  <a:srgbClr val="FFFFFF"/>
+                </a:solidFill>
+                <a:latin typeface="Agrandir Bold"/>
+              </a:rPr>
+              <a:t>manusia</a:t>
+            </a:r>
+            <a:r>
+              <a:rPr lang="en-US" sz="4200" dirty="0">
+                <a:solidFill>
+                  <a:srgbClr val="FFFFFF"/>
+                </a:solidFill>
+                <a:latin typeface="Agrandir Bold"/>
+              </a:rPr>
+              <a:t> dengan </a:t>
+            </a:r>
+            <a:r>
+              <a:rPr lang="en-US" sz="4200" dirty="0" err="1">
+                <a:solidFill>
+                  <a:srgbClr val="FFFFFF"/>
+                </a:solidFill>
+                <a:latin typeface="Agrandir Bold"/>
+              </a:rPr>
+              <a:t>komputer</a:t>
+            </a:r>
+            <a:r>
+              <a:rPr lang="en-US" sz="4200" dirty="0">
+                <a:solidFill>
+                  <a:srgbClr val="FFFFFF"/>
+                </a:solidFill>
+                <a:latin typeface="Agrandir Bold"/>
+              </a:rPr>
+              <a:t>. </a:t>
             </a:r>
           </a:p>
         </p:txBody>
